--- a/team3/Week 7.pptx
+++ b/team3/Week 7.pptx
@@ -9,6 +9,8 @@
     <p:sldId id="257" r:id="rId3"/>
     <p:sldId id="258" r:id="rId4"/>
     <p:sldId id="259" r:id="rId5"/>
+    <p:sldId id="260" r:id="rId6"/>
+    <p:sldId id="261" r:id="rId7"/>
   </p:sldIdLst>
   <p:sldSz cx="12192000" cy="6858000"/>
   <p:notesSz cx="6858000" cy="9144000"/>
@@ -3323,7 +3325,12 @@
             <p:ph type="body" idx="1"/>
           </p:nvPr>
         </p:nvSpPr>
-        <p:spPr/>
+        <p:spPr>
+          <a:xfrm>
+            <a:off x="839788" y="1288481"/>
+            <a:ext cx="5157787" cy="823912"/>
+          </a:xfrm>
+        </p:spPr>
         <p:txBody>
           <a:bodyPr/>
           <a:lstStyle/>
@@ -3346,9 +3353,16 @@
             <p:ph sz="half" idx="2"/>
           </p:nvPr>
         </p:nvSpPr>
-        <p:spPr/>
-        <p:txBody>
-          <a:bodyPr/>
+        <p:spPr>
+          <a:xfrm>
+            <a:off x="839788" y="2112393"/>
+            <a:ext cx="5157787" cy="3684588"/>
+          </a:xfrm>
+        </p:spPr>
+        <p:txBody>
+          <a:bodyPr>
+            <a:normAutofit lnSpcReduction="10000"/>
+          </a:bodyPr>
           <a:lstStyle/>
           <a:p>
             <a:r>
@@ -3390,6 +3404,20 @@
               <a:t>Avoid passing through memory</a:t>
             </a:r>
           </a:p>
+          <a:p>
+            <a:pPr lvl="2"/>
+            <a:r>
+              <a:rPr lang="en-US" altLang="zh-CN" dirty="0" smtClean="0"/>
+              <a:t>Faster interpreters*</a:t>
+            </a:r>
+            <a:endParaRPr lang="en-US" altLang="zh-CN" dirty="0" smtClean="0"/>
+          </a:p>
+          <a:p>
+            <a:r>
+              <a:rPr lang="en-US" altLang="zh-CN" dirty="0" smtClean="0"/>
+              <a:t>Minimal hardware</a:t>
+            </a:r>
+          </a:p>
         </p:txBody>
       </p:sp>
       <p:sp>
@@ -3402,7 +3430,12 @@
             <p:ph type="body" sz="quarter" idx="3"/>
           </p:nvPr>
         </p:nvSpPr>
-        <p:spPr/>
+        <p:spPr>
+          <a:xfrm>
+            <a:off x="6172200" y="1288481"/>
+            <a:ext cx="5183188" cy="823912"/>
+          </a:xfrm>
+        </p:spPr>
         <p:txBody>
           <a:bodyPr/>
           <a:lstStyle/>
@@ -3425,7 +3458,12 @@
             <p:ph sz="quarter" idx="4"/>
           </p:nvPr>
         </p:nvSpPr>
-        <p:spPr/>
+        <p:spPr>
+          <a:xfrm>
+            <a:off x="6172200" y="2112393"/>
+            <a:ext cx="5183188" cy="3684588"/>
+          </a:xfrm>
+        </p:spPr>
         <p:txBody>
           <a:bodyPr/>
           <a:lstStyle/>
@@ -3438,6 +3476,301 @@
     <p:extLst>
       <p:ext uri="{BB962C8B-B14F-4D97-AF65-F5344CB8AC3E}">
         <p14:creationId xmlns:p14="http://schemas.microsoft.com/office/powerpoint/2010/main" val="3747878766"/>
+      </p:ext>
+    </p:extLst>
+  </p:cSld>
+  <p:clrMapOvr>
+    <a:masterClrMapping/>
+  </p:clrMapOvr>
+</p:sld>
+</file>
+
+<file path=ppt/slides/slide5.xml><?xml version="1.0" encoding="utf-8"?>
+<p:sld xmlns:a="http://schemas.openxmlformats.org/drawingml/2006/main" xmlns:r="http://schemas.openxmlformats.org/officeDocument/2006/relationships" xmlns:p="http://schemas.openxmlformats.org/presentationml/2006/main">
+  <p:cSld>
+    <p:spTree>
+      <p:nvGrpSpPr>
+        <p:cNvPr id="1" name=""/>
+        <p:cNvGrpSpPr/>
+        <p:nvPr/>
+      </p:nvGrpSpPr>
+      <p:grpSpPr>
+        <a:xfrm>
+          <a:off x="0" y="0"/>
+          <a:ext cx="0" cy="0"/>
+          <a:chOff x="0" y="0"/>
+          <a:chExt cx="0" cy="0"/>
+        </a:xfrm>
+      </p:grpSpPr>
+      <p:sp>
+        <p:nvSpPr>
+          <p:cNvPr id="2" name="Title 1"/>
+          <p:cNvSpPr>
+            <a:spLocks noGrp="1"/>
+          </p:cNvSpPr>
+          <p:nvPr>
+            <p:ph type="title"/>
+          </p:nvPr>
+        </p:nvSpPr>
+        <p:spPr/>
+        <p:txBody>
+          <a:bodyPr/>
+          <a:lstStyle/>
+          <a:p>
+            <a:r>
+              <a:rPr lang="en-US" altLang="zh-CN" dirty="0" smtClean="0"/>
+              <a:t>Disadvantages</a:t>
+            </a:r>
+            <a:endParaRPr lang="zh-CN" altLang="en-US" dirty="0"/>
+          </a:p>
+        </p:txBody>
+      </p:sp>
+      <p:sp>
+        <p:nvSpPr>
+          <p:cNvPr id="3" name="Text Placeholder 2"/>
+          <p:cNvSpPr>
+            <a:spLocks noGrp="1"/>
+          </p:cNvSpPr>
+          <p:nvPr>
+            <p:ph type="body" idx="1"/>
+          </p:nvPr>
+        </p:nvSpPr>
+        <p:spPr/>
+        <p:txBody>
+          <a:bodyPr/>
+          <a:lstStyle/>
+          <a:p>
+            <a:r>
+              <a:rPr lang="en-US" altLang="zh-CN" dirty="0" smtClean="0"/>
+              <a:t>Stack machine</a:t>
+            </a:r>
+            <a:endParaRPr lang="zh-CN" altLang="en-US" dirty="0"/>
+          </a:p>
+        </p:txBody>
+      </p:sp>
+      <p:sp>
+        <p:nvSpPr>
+          <p:cNvPr id="4" name="Content Placeholder 3"/>
+          <p:cNvSpPr>
+            <a:spLocks noGrp="1"/>
+          </p:cNvSpPr>
+          <p:nvPr>
+            <p:ph sz="half" idx="2"/>
+          </p:nvPr>
+        </p:nvSpPr>
+        <p:spPr/>
+        <p:txBody>
+          <a:bodyPr/>
+          <a:lstStyle/>
+          <a:p>
+            <a:r>
+              <a:rPr lang="en-US" altLang="zh-CN" dirty="0" smtClean="0"/>
+              <a:t>More memory references</a:t>
+            </a:r>
+          </a:p>
+          <a:p>
+            <a:r>
+              <a:rPr lang="en-US" altLang="zh-CN" dirty="0" smtClean="0"/>
+              <a:t>Common subexpressions</a:t>
+            </a:r>
+            <a:r>
+              <a:rPr lang="zh-CN" altLang="en-US" dirty="0" smtClean="0"/>
+              <a:t> </a:t>
+            </a:r>
+            <a:r>
+              <a:rPr lang="en-US" altLang="zh-CN" dirty="0" smtClean="0"/>
+              <a:t>expensive</a:t>
+            </a:r>
+          </a:p>
+          <a:p>
+            <a:r>
+              <a:rPr lang="en-US" altLang="zh-CN" dirty="0" smtClean="0"/>
+              <a:t>Rigid code order</a:t>
+            </a:r>
+          </a:p>
+          <a:p>
+            <a:r>
+              <a:rPr lang="en-US" altLang="zh-CN" dirty="0" smtClean="0"/>
+              <a:t>Slower interpreters*</a:t>
+            </a:r>
+          </a:p>
+        </p:txBody>
+      </p:sp>
+      <p:sp>
+        <p:nvSpPr>
+          <p:cNvPr id="5" name="Text Placeholder 4"/>
+          <p:cNvSpPr>
+            <a:spLocks noGrp="1"/>
+          </p:cNvSpPr>
+          <p:nvPr>
+            <p:ph type="body" sz="quarter" idx="3"/>
+          </p:nvPr>
+        </p:nvSpPr>
+        <p:spPr/>
+        <p:txBody>
+          <a:bodyPr/>
+          <a:lstStyle/>
+          <a:p>
+            <a:r>
+              <a:rPr lang="en-US" altLang="zh-CN" dirty="0" smtClean="0"/>
+              <a:t>Register machine</a:t>
+            </a:r>
+            <a:endParaRPr lang="zh-CN" altLang="en-US" dirty="0"/>
+          </a:p>
+        </p:txBody>
+      </p:sp>
+      <p:sp>
+        <p:nvSpPr>
+          <p:cNvPr id="6" name="Content Placeholder 5"/>
+          <p:cNvSpPr>
+            <a:spLocks noGrp="1"/>
+          </p:cNvSpPr>
+          <p:nvPr>
+            <p:ph sz="quarter" idx="4"/>
+          </p:nvPr>
+        </p:nvSpPr>
+        <p:spPr/>
+        <p:txBody>
+          <a:bodyPr/>
+          <a:lstStyle/>
+          <a:p>
+            <a:endParaRPr lang="zh-CN" altLang="en-US"/>
+          </a:p>
+        </p:txBody>
+      </p:sp>
+    </p:spTree>
+    <p:extLst>
+      <p:ext uri="{BB962C8B-B14F-4D97-AF65-F5344CB8AC3E}">
+        <p14:creationId xmlns:p14="http://schemas.microsoft.com/office/powerpoint/2010/main" val="1894630414"/>
+      </p:ext>
+    </p:extLst>
+  </p:cSld>
+  <p:clrMapOvr>
+    <a:masterClrMapping/>
+  </p:clrMapOvr>
+</p:sld>
+</file>
+
+<file path=ppt/slides/slide6.xml><?xml version="1.0" encoding="utf-8"?>
+<p:sld xmlns:a="http://schemas.openxmlformats.org/drawingml/2006/main" xmlns:r="http://schemas.openxmlformats.org/officeDocument/2006/relationships" xmlns:p="http://schemas.openxmlformats.org/presentationml/2006/main">
+  <p:cSld>
+    <p:spTree>
+      <p:nvGrpSpPr>
+        <p:cNvPr id="1" name=""/>
+        <p:cNvGrpSpPr/>
+        <p:nvPr/>
+      </p:nvGrpSpPr>
+      <p:grpSpPr>
+        <a:xfrm>
+          <a:off x="0" y="0"/>
+          <a:ext cx="0" cy="0"/>
+          <a:chOff x="0" y="0"/>
+          <a:chExt cx="0" cy="0"/>
+        </a:xfrm>
+      </p:grpSpPr>
+      <p:sp>
+        <p:nvSpPr>
+          <p:cNvPr id="2" name="Title 1"/>
+          <p:cNvSpPr>
+            <a:spLocks noGrp="1"/>
+          </p:cNvSpPr>
+          <p:nvPr>
+            <p:ph type="title"/>
+          </p:nvPr>
+        </p:nvSpPr>
+        <p:spPr/>
+        <p:txBody>
+          <a:bodyPr/>
+          <a:lstStyle/>
+          <a:p>
+            <a:r>
+              <a:rPr lang="en-US" altLang="zh-CN" dirty="0" smtClean="0"/>
+              <a:t>Faster or slower interpretation??</a:t>
+            </a:r>
+            <a:endParaRPr lang="zh-CN" altLang="en-US" dirty="0"/>
+          </a:p>
+        </p:txBody>
+      </p:sp>
+      <p:sp>
+        <p:nvSpPr>
+          <p:cNvPr id="3" name="Text Placeholder 2"/>
+          <p:cNvSpPr>
+            <a:spLocks noGrp="1"/>
+          </p:cNvSpPr>
+          <p:nvPr>
+            <p:ph type="body" idx="1"/>
+          </p:nvPr>
+        </p:nvSpPr>
+        <p:spPr/>
+        <p:txBody>
+          <a:bodyPr/>
+          <a:lstStyle/>
+          <a:p>
+            <a:endParaRPr lang="zh-CN" altLang="en-US"/>
+          </a:p>
+        </p:txBody>
+      </p:sp>
+      <p:sp>
+        <p:nvSpPr>
+          <p:cNvPr id="4" name="Content Placeholder 3"/>
+          <p:cNvSpPr>
+            <a:spLocks noGrp="1"/>
+          </p:cNvSpPr>
+          <p:nvPr>
+            <p:ph sz="half" idx="2"/>
+          </p:nvPr>
+        </p:nvSpPr>
+        <p:spPr/>
+        <p:txBody>
+          <a:bodyPr/>
+          <a:lstStyle/>
+          <a:p>
+            <a:endParaRPr lang="zh-CN" altLang="en-US"/>
+          </a:p>
+        </p:txBody>
+      </p:sp>
+      <p:sp>
+        <p:nvSpPr>
+          <p:cNvPr id="5" name="Text Placeholder 4"/>
+          <p:cNvSpPr>
+            <a:spLocks noGrp="1"/>
+          </p:cNvSpPr>
+          <p:nvPr>
+            <p:ph type="body" sz="quarter" idx="3"/>
+          </p:nvPr>
+        </p:nvSpPr>
+        <p:spPr/>
+        <p:txBody>
+          <a:bodyPr/>
+          <a:lstStyle/>
+          <a:p>
+            <a:endParaRPr lang="zh-CN" altLang="en-US"/>
+          </a:p>
+        </p:txBody>
+      </p:sp>
+      <p:sp>
+        <p:nvSpPr>
+          <p:cNvPr id="6" name="Content Placeholder 5"/>
+          <p:cNvSpPr>
+            <a:spLocks noGrp="1"/>
+          </p:cNvSpPr>
+          <p:nvPr>
+            <p:ph sz="quarter" idx="4"/>
+          </p:nvPr>
+        </p:nvSpPr>
+        <p:spPr/>
+        <p:txBody>
+          <a:bodyPr/>
+          <a:lstStyle/>
+          <a:p>
+            <a:endParaRPr lang="zh-CN" altLang="en-US"/>
+          </a:p>
+        </p:txBody>
+      </p:sp>
+    </p:spTree>
+    <p:extLst>
+      <p:ext uri="{BB962C8B-B14F-4D97-AF65-F5344CB8AC3E}">
+        <p14:creationId xmlns:p14="http://schemas.microsoft.com/office/powerpoint/2010/main" val="1365312687"/>
       </p:ext>
     </p:extLst>
   </p:cSld>

--- a/team3/Week 7.pptx
+++ b/team3/Week 7.pptx
@@ -3706,7 +3706,7 @@
           <a:bodyPr/>
           <a:lstStyle/>
           <a:p>
-            <a:endParaRPr lang="zh-CN" altLang="en-US"/>
+            <a:endParaRPr lang="zh-CN" altLang="en-US" dirty="0"/>
           </a:p>
         </p:txBody>
       </p:sp>
@@ -3725,7 +3725,7 @@
           <a:bodyPr/>
           <a:lstStyle/>
           <a:p>
-            <a:endParaRPr lang="zh-CN" altLang="en-US"/>
+            <a:endParaRPr lang="zh-CN" altLang="en-US" dirty="0"/>
           </a:p>
         </p:txBody>
       </p:sp>
